--- a/todo.pptx
+++ b/todo.pptx
@@ -5,9 +5,8 @@
     <p:sldMasterId id="2147483648" r:id="rId1"/>
   </p:sldMasterIdLst>
   <p:sldIdLst>
-    <p:sldId id="256" r:id="rId2"/>
-    <p:sldId id="257" r:id="rId3"/>
-    <p:sldId id="258" r:id="rId4"/>
+    <p:sldId id="257" r:id="rId2"/>
+    <p:sldId id="258" r:id="rId3"/>
   </p:sldIdLst>
   <p:sldSz cx="9144000" cy="6858000" type="screen4x3"/>
   <p:notesSz cx="6858000" cy="9144000"/>
@@ -290,7 +289,8 @@
           <a:p>
             <a:fld id="{D65A0762-F433-41D9-9836-390374392D78}" type="datetimeFigureOut">
               <a:rPr lang="de-DE" smtClean="0"/>
-              <a:t>06.07.2017</a:t>
+              <a:pPr/>
+              <a:t>23.07.2017</a:t>
             </a:fld>
             <a:endParaRPr lang="de-DE"/>
           </a:p>
@@ -332,6 +332,7 @@
           <a:p>
             <a:fld id="{BF8D98D4-C159-4057-9C78-79D72C87C7DE}" type="slidenum">
               <a:rPr lang="de-DE" smtClean="0"/>
+              <a:pPr/>
               <a:t>‹#›</a:t>
             </a:fld>
             <a:endParaRPr lang="de-DE"/>
@@ -455,7 +456,8 @@
           <a:p>
             <a:fld id="{D65A0762-F433-41D9-9836-390374392D78}" type="datetimeFigureOut">
               <a:rPr lang="de-DE" smtClean="0"/>
-              <a:t>06.07.2017</a:t>
+              <a:pPr/>
+              <a:t>23.07.2017</a:t>
             </a:fld>
             <a:endParaRPr lang="de-DE"/>
           </a:p>
@@ -497,6 +499,7 @@
           <a:p>
             <a:fld id="{BF8D98D4-C159-4057-9C78-79D72C87C7DE}" type="slidenum">
               <a:rPr lang="de-DE" smtClean="0"/>
+              <a:pPr/>
               <a:t>‹#›</a:t>
             </a:fld>
             <a:endParaRPr lang="de-DE"/>
@@ -630,7 +633,8 @@
           <a:p>
             <a:fld id="{D65A0762-F433-41D9-9836-390374392D78}" type="datetimeFigureOut">
               <a:rPr lang="de-DE" smtClean="0"/>
-              <a:t>06.07.2017</a:t>
+              <a:pPr/>
+              <a:t>23.07.2017</a:t>
             </a:fld>
             <a:endParaRPr lang="de-DE"/>
           </a:p>
@@ -672,6 +676,7 @@
           <a:p>
             <a:fld id="{BF8D98D4-C159-4057-9C78-79D72C87C7DE}" type="slidenum">
               <a:rPr lang="de-DE" smtClean="0"/>
+              <a:pPr/>
               <a:t>‹#›</a:t>
             </a:fld>
             <a:endParaRPr lang="de-DE"/>
@@ -795,7 +800,8 @@
           <a:p>
             <a:fld id="{D65A0762-F433-41D9-9836-390374392D78}" type="datetimeFigureOut">
               <a:rPr lang="de-DE" smtClean="0"/>
-              <a:t>06.07.2017</a:t>
+              <a:pPr/>
+              <a:t>23.07.2017</a:t>
             </a:fld>
             <a:endParaRPr lang="de-DE"/>
           </a:p>
@@ -837,6 +843,7 @@
           <a:p>
             <a:fld id="{BF8D98D4-C159-4057-9C78-79D72C87C7DE}" type="slidenum">
               <a:rPr lang="de-DE" smtClean="0"/>
+              <a:pPr/>
               <a:t>‹#›</a:t>
             </a:fld>
             <a:endParaRPr lang="de-DE"/>
@@ -1036,7 +1043,8 @@
           <a:p>
             <a:fld id="{D65A0762-F433-41D9-9836-390374392D78}" type="datetimeFigureOut">
               <a:rPr lang="de-DE" smtClean="0"/>
-              <a:t>06.07.2017</a:t>
+              <a:pPr/>
+              <a:t>23.07.2017</a:t>
             </a:fld>
             <a:endParaRPr lang="de-DE"/>
           </a:p>
@@ -1078,6 +1086,7 @@
           <a:p>
             <a:fld id="{BF8D98D4-C159-4057-9C78-79D72C87C7DE}" type="slidenum">
               <a:rPr lang="de-DE" smtClean="0"/>
+              <a:pPr/>
               <a:t>‹#›</a:t>
             </a:fld>
             <a:endParaRPr lang="de-DE"/>
@@ -1319,7 +1328,8 @@
           <a:p>
             <a:fld id="{D65A0762-F433-41D9-9836-390374392D78}" type="datetimeFigureOut">
               <a:rPr lang="de-DE" smtClean="0"/>
-              <a:t>06.07.2017</a:t>
+              <a:pPr/>
+              <a:t>23.07.2017</a:t>
             </a:fld>
             <a:endParaRPr lang="de-DE"/>
           </a:p>
@@ -1361,6 +1371,7 @@
           <a:p>
             <a:fld id="{BF8D98D4-C159-4057-9C78-79D72C87C7DE}" type="slidenum">
               <a:rPr lang="de-DE" smtClean="0"/>
+              <a:pPr/>
               <a:t>‹#›</a:t>
             </a:fld>
             <a:endParaRPr lang="de-DE"/>
@@ -1736,7 +1747,8 @@
           <a:p>
             <a:fld id="{D65A0762-F433-41D9-9836-390374392D78}" type="datetimeFigureOut">
               <a:rPr lang="de-DE" smtClean="0"/>
-              <a:t>06.07.2017</a:t>
+              <a:pPr/>
+              <a:t>23.07.2017</a:t>
             </a:fld>
             <a:endParaRPr lang="de-DE"/>
           </a:p>
@@ -1778,6 +1790,7 @@
           <a:p>
             <a:fld id="{BF8D98D4-C159-4057-9C78-79D72C87C7DE}" type="slidenum">
               <a:rPr lang="de-DE" smtClean="0"/>
+              <a:pPr/>
               <a:t>‹#›</a:t>
             </a:fld>
             <a:endParaRPr lang="de-DE"/>
@@ -1849,7 +1862,8 @@
           <a:p>
             <a:fld id="{D65A0762-F433-41D9-9836-390374392D78}" type="datetimeFigureOut">
               <a:rPr lang="de-DE" smtClean="0"/>
-              <a:t>06.07.2017</a:t>
+              <a:pPr/>
+              <a:t>23.07.2017</a:t>
             </a:fld>
             <a:endParaRPr lang="de-DE"/>
           </a:p>
@@ -1891,6 +1905,7 @@
           <a:p>
             <a:fld id="{BF8D98D4-C159-4057-9C78-79D72C87C7DE}" type="slidenum">
               <a:rPr lang="de-DE" smtClean="0"/>
+              <a:pPr/>
               <a:t>‹#›</a:t>
             </a:fld>
             <a:endParaRPr lang="de-DE"/>
@@ -1939,7 +1954,8 @@
           <a:p>
             <a:fld id="{D65A0762-F433-41D9-9836-390374392D78}" type="datetimeFigureOut">
               <a:rPr lang="de-DE" smtClean="0"/>
-              <a:t>06.07.2017</a:t>
+              <a:pPr/>
+              <a:t>23.07.2017</a:t>
             </a:fld>
             <a:endParaRPr lang="de-DE"/>
           </a:p>
@@ -1981,6 +1997,7 @@
           <a:p>
             <a:fld id="{BF8D98D4-C159-4057-9C78-79D72C87C7DE}" type="slidenum">
               <a:rPr lang="de-DE" smtClean="0"/>
+              <a:pPr/>
               <a:t>‹#›</a:t>
             </a:fld>
             <a:endParaRPr lang="de-DE"/>
@@ -2211,7 +2228,8 @@
           <a:p>
             <a:fld id="{D65A0762-F433-41D9-9836-390374392D78}" type="datetimeFigureOut">
               <a:rPr lang="de-DE" smtClean="0"/>
-              <a:t>06.07.2017</a:t>
+              <a:pPr/>
+              <a:t>23.07.2017</a:t>
             </a:fld>
             <a:endParaRPr lang="de-DE"/>
           </a:p>
@@ -2253,6 +2271,7 @@
           <a:p>
             <a:fld id="{BF8D98D4-C159-4057-9C78-79D72C87C7DE}" type="slidenum">
               <a:rPr lang="de-DE" smtClean="0"/>
+              <a:pPr/>
               <a:t>‹#›</a:t>
             </a:fld>
             <a:endParaRPr lang="de-DE"/>
@@ -2459,7 +2478,8 @@
           <a:p>
             <a:fld id="{D65A0762-F433-41D9-9836-390374392D78}" type="datetimeFigureOut">
               <a:rPr lang="de-DE" smtClean="0"/>
-              <a:t>06.07.2017</a:t>
+              <a:pPr/>
+              <a:t>23.07.2017</a:t>
             </a:fld>
             <a:endParaRPr lang="de-DE"/>
           </a:p>
@@ -2501,6 +2521,7 @@
           <a:p>
             <a:fld id="{BF8D98D4-C159-4057-9C78-79D72C87C7DE}" type="slidenum">
               <a:rPr lang="de-DE" smtClean="0"/>
+              <a:pPr/>
               <a:t>‹#›</a:t>
             </a:fld>
             <a:endParaRPr lang="de-DE"/>
@@ -2667,7 +2688,8 @@
           <a:p>
             <a:fld id="{D65A0762-F433-41D9-9836-390374392D78}" type="datetimeFigureOut">
               <a:rPr lang="de-DE" smtClean="0"/>
-              <a:t>06.07.2017</a:t>
+              <a:pPr/>
+              <a:t>23.07.2017</a:t>
             </a:fld>
             <a:endParaRPr lang="de-DE"/>
           </a:p>
@@ -2745,6 +2767,7 @@
           <a:p>
             <a:fld id="{BF8D98D4-C159-4057-9C78-79D72C87C7DE}" type="slidenum">
               <a:rPr lang="de-DE" smtClean="0"/>
+              <a:pPr/>
               <a:t>‹#›</a:t>
             </a:fld>
             <a:endParaRPr lang="de-DE"/>
@@ -3044,34 +3067,122 @@
             <a:spLocks noGrp="1"/>
           </p:cNvSpPr>
           <p:nvPr>
-            <p:ph type="ctrTitle"/>
-          </p:nvPr>
-        </p:nvSpPr>
-        <p:spPr/>
-        <p:txBody>
-          <a:bodyPr/>
-          <a:lstStyle/>
-          <a:p>
-            <a:endParaRPr lang="de-DE"/>
-          </a:p>
-        </p:txBody>
-      </p:sp>
-      <p:sp>
-        <p:nvSpPr>
-          <p:cNvPr id="3" name="Alcím 2"/>
-          <p:cNvSpPr>
-            <a:spLocks noGrp="1"/>
-          </p:cNvSpPr>
-          <p:nvPr>
-            <p:ph type="subTitle" idx="1"/>
-          </p:nvPr>
-        </p:nvSpPr>
-        <p:spPr/>
-        <p:txBody>
-          <a:bodyPr/>
-          <a:lstStyle/>
-          <a:p>
-            <a:endParaRPr lang="de-DE"/>
+            <p:ph type="title"/>
+          </p:nvPr>
+        </p:nvSpPr>
+        <p:spPr/>
+        <p:txBody>
+          <a:bodyPr/>
+          <a:lstStyle/>
+          <a:p>
+            <a:r>
+              <a:rPr lang="hu-HU" dirty="0" smtClean="0"/>
+              <a:t>Hardver</a:t>
+            </a:r>
+            <a:endParaRPr lang="de-DE" dirty="0"/>
+          </a:p>
+        </p:txBody>
+      </p:sp>
+      <p:sp>
+        <p:nvSpPr>
+          <p:cNvPr id="3" name="Tartalom helye 2"/>
+          <p:cNvSpPr>
+            <a:spLocks noGrp="1"/>
+          </p:cNvSpPr>
+          <p:nvPr>
+            <p:ph idx="1"/>
+          </p:nvPr>
+        </p:nvSpPr>
+        <p:spPr/>
+        <p:txBody>
+          <a:bodyPr>
+            <a:normAutofit fontScale="92500" lnSpcReduction="10000"/>
+          </a:bodyPr>
+          <a:lstStyle/>
+          <a:p>
+            <a:r>
+              <a:rPr lang="hu-HU" dirty="0" smtClean="0"/>
+              <a:t>Beszerzés</a:t>
+            </a:r>
+          </a:p>
+          <a:p>
+            <a:pPr lvl="1"/>
+            <a:r>
+              <a:rPr lang="hu-HU" dirty="0" smtClean="0"/>
+              <a:t>Csavarbeszerzés</a:t>
+            </a:r>
+          </a:p>
+          <a:p>
+            <a:pPr lvl="1"/>
+            <a:r>
+              <a:rPr lang="hu-HU" dirty="0" smtClean="0"/>
+              <a:t>Festék</a:t>
+            </a:r>
+          </a:p>
+          <a:p>
+            <a:pPr lvl="1"/>
+            <a:r>
+              <a:rPr lang="hu-HU" dirty="0" smtClean="0"/>
+              <a:t>Papír</a:t>
+            </a:r>
+          </a:p>
+          <a:p>
+            <a:r>
+              <a:rPr lang="hu-HU" dirty="0"/>
+              <a:t>Ö</a:t>
+            </a:r>
+            <a:r>
+              <a:rPr lang="hu-HU" dirty="0" smtClean="0"/>
+              <a:t>sszerakás</a:t>
+            </a:r>
+            <a:r>
+              <a:rPr lang="hu-HU" dirty="0"/>
+              <a:t>: </a:t>
+            </a:r>
+            <a:endParaRPr lang="hu-HU" dirty="0" smtClean="0"/>
+          </a:p>
+          <a:p>
+            <a:pPr lvl="1"/>
+            <a:r>
+              <a:rPr lang="hu-HU" dirty="0" smtClean="0"/>
+              <a:t>szenzor </a:t>
+            </a:r>
+            <a:r>
+              <a:rPr lang="hu-HU" dirty="0"/>
+              <a:t>hova? </a:t>
+            </a:r>
+            <a:endParaRPr lang="hu-HU" dirty="0" smtClean="0"/>
+          </a:p>
+          <a:p>
+            <a:pPr lvl="1"/>
+            <a:r>
+              <a:rPr lang="hu-HU" dirty="0" smtClean="0"/>
+              <a:t>fordulatszám </a:t>
+            </a:r>
+            <a:r>
+              <a:rPr lang="hu-HU" dirty="0"/>
+              <a:t>mérés </a:t>
+            </a:r>
+            <a:r>
+              <a:rPr lang="hu-HU" dirty="0" smtClean="0"/>
+              <a:t>teszt</a:t>
+            </a:r>
+          </a:p>
+          <a:p>
+            <a:r>
+              <a:rPr lang="hu-HU" dirty="0" smtClean="0"/>
+              <a:t>Ragasztás, kifúrás,</a:t>
+            </a:r>
+          </a:p>
+          <a:p>
+            <a:r>
+              <a:rPr lang="hu-HU" dirty="0" smtClean="0"/>
+              <a:t>Millió kábel forrasztása</a:t>
+            </a:r>
+            <a:endParaRPr lang="hu-HU" dirty="0"/>
+          </a:p>
+          <a:p>
+            <a:endParaRPr lang="de-DE" dirty="0"/>
           </a:p>
         </p:txBody>
       </p:sp>
@@ -3084,158 +3195,6 @@
 </file>
 
 <file path=ppt/slides/slide2.xml><?xml version="1.0" encoding="utf-8"?>
-<p:sld xmlns:a="http://schemas.openxmlformats.org/drawingml/2006/main" xmlns:r="http://schemas.openxmlformats.org/officeDocument/2006/relationships" xmlns:p="http://schemas.openxmlformats.org/presentationml/2006/main">
-  <p:cSld>
-    <p:spTree>
-      <p:nvGrpSpPr>
-        <p:cNvPr id="1" name=""/>
-        <p:cNvGrpSpPr/>
-        <p:nvPr/>
-      </p:nvGrpSpPr>
-      <p:grpSpPr>
-        <a:xfrm>
-          <a:off x="0" y="0"/>
-          <a:ext cx="0" cy="0"/>
-          <a:chOff x="0" y="0"/>
-          <a:chExt cx="0" cy="0"/>
-        </a:xfrm>
-      </p:grpSpPr>
-      <p:sp>
-        <p:nvSpPr>
-          <p:cNvPr id="2" name="Cím 1"/>
-          <p:cNvSpPr>
-            <a:spLocks noGrp="1"/>
-          </p:cNvSpPr>
-          <p:nvPr>
-            <p:ph type="title"/>
-          </p:nvPr>
-        </p:nvSpPr>
-        <p:spPr/>
-        <p:txBody>
-          <a:bodyPr/>
-          <a:lstStyle/>
-          <a:p>
-            <a:r>
-              <a:rPr lang="hu-HU" dirty="0" smtClean="0"/>
-              <a:t>Hardver</a:t>
-            </a:r>
-            <a:endParaRPr lang="de-DE" dirty="0"/>
-          </a:p>
-        </p:txBody>
-      </p:sp>
-      <p:sp>
-        <p:nvSpPr>
-          <p:cNvPr id="3" name="Tartalom helye 2"/>
-          <p:cNvSpPr>
-            <a:spLocks noGrp="1"/>
-          </p:cNvSpPr>
-          <p:nvPr>
-            <p:ph idx="1"/>
-          </p:nvPr>
-        </p:nvSpPr>
-        <p:spPr/>
-        <p:txBody>
-          <a:bodyPr>
-            <a:normAutofit fontScale="92500" lnSpcReduction="10000"/>
-          </a:bodyPr>
-          <a:lstStyle/>
-          <a:p>
-            <a:r>
-              <a:rPr lang="hu-HU" dirty="0" smtClean="0"/>
-              <a:t>Beszerzés</a:t>
-            </a:r>
-          </a:p>
-          <a:p>
-            <a:pPr lvl="1"/>
-            <a:r>
-              <a:rPr lang="hu-HU" dirty="0" smtClean="0"/>
-              <a:t>Csavarbeszerzés</a:t>
-            </a:r>
-          </a:p>
-          <a:p>
-            <a:pPr lvl="1"/>
-            <a:r>
-              <a:rPr lang="hu-HU" dirty="0" smtClean="0"/>
-              <a:t>Festék</a:t>
-            </a:r>
-          </a:p>
-          <a:p>
-            <a:pPr lvl="1"/>
-            <a:r>
-              <a:rPr lang="hu-HU" dirty="0" smtClean="0"/>
-              <a:t>Papír</a:t>
-            </a:r>
-            <a:endParaRPr lang="hu-HU" dirty="0" smtClean="0"/>
-          </a:p>
-          <a:p>
-            <a:r>
-              <a:rPr lang="hu-HU" dirty="0"/>
-              <a:t>Ö</a:t>
-            </a:r>
-            <a:r>
-              <a:rPr lang="hu-HU" dirty="0" smtClean="0"/>
-              <a:t>sszerakás</a:t>
-            </a:r>
-            <a:r>
-              <a:rPr lang="hu-HU" dirty="0"/>
-              <a:t>: </a:t>
-            </a:r>
-            <a:endParaRPr lang="hu-HU" dirty="0" smtClean="0"/>
-          </a:p>
-          <a:p>
-            <a:pPr lvl="1"/>
-            <a:r>
-              <a:rPr lang="hu-HU" dirty="0" smtClean="0"/>
-              <a:t>szenzor </a:t>
-            </a:r>
-            <a:r>
-              <a:rPr lang="hu-HU" dirty="0"/>
-              <a:t>hova? </a:t>
-            </a:r>
-            <a:endParaRPr lang="hu-HU" dirty="0" smtClean="0"/>
-          </a:p>
-          <a:p>
-            <a:pPr lvl="1"/>
-            <a:r>
-              <a:rPr lang="hu-HU" dirty="0" smtClean="0"/>
-              <a:t>fordulatszám </a:t>
-            </a:r>
-            <a:r>
-              <a:rPr lang="hu-HU" dirty="0"/>
-              <a:t>mérés </a:t>
-            </a:r>
-            <a:r>
-              <a:rPr lang="hu-HU" dirty="0" smtClean="0"/>
-              <a:t>teszt</a:t>
-            </a:r>
-          </a:p>
-          <a:p>
-            <a:r>
-              <a:rPr lang="hu-HU" dirty="0" smtClean="0"/>
-              <a:t>Ragasztás, kifúrás,</a:t>
-            </a:r>
-          </a:p>
-          <a:p>
-            <a:r>
-              <a:rPr lang="hu-HU" dirty="0" smtClean="0"/>
-              <a:t>Millió kábel forrasztása</a:t>
-            </a:r>
-            <a:endParaRPr lang="hu-HU" dirty="0"/>
-          </a:p>
-          <a:p>
-            <a:endParaRPr lang="de-DE" dirty="0"/>
-          </a:p>
-        </p:txBody>
-      </p:sp>
-    </p:spTree>
-  </p:cSld>
-  <p:clrMapOvr>
-    <a:masterClrMapping/>
-  </p:clrMapOvr>
-</p:sld>
-</file>
-
-<file path=ppt/slides/slide3.xml><?xml version="1.0" encoding="utf-8"?>
 <p:sld xmlns:a="http://schemas.openxmlformats.org/drawingml/2006/main" xmlns:r="http://schemas.openxmlformats.org/officeDocument/2006/relationships" xmlns:p="http://schemas.openxmlformats.org/presentationml/2006/main">
   <p:cSld>
     <p:spTree>
